--- a/Java 相關/講義/面試問題.pptx
+++ b/Java 相關/講義/面試問題.pptx
@@ -1336,7 +1336,7 @@
           <a:p>
             <a:fld id="{654AE61A-BA35-4049-814A-A64EFCA36CDD}" type="datetimeFigureOut">
               <a:rPr lang="zh-TW" altLang="en-US" smtClean="0"/>
-              <a:t>2023/10/31</a:t>
+              <a:t>2024/2/3</a:t>
             </a:fld>
             <a:endParaRPr lang="zh-TW" altLang="en-US"/>
           </a:p>
@@ -1574,7 +1574,7 @@
           <a:p>
             <a:fld id="{654AE61A-BA35-4049-814A-A64EFCA36CDD}" type="datetimeFigureOut">
               <a:rPr lang="zh-TW" altLang="en-US" smtClean="0"/>
-              <a:t>2023/10/31</a:t>
+              <a:t>2024/2/3</a:t>
             </a:fld>
             <a:endParaRPr lang="zh-TW" altLang="en-US"/>
           </a:p>
@@ -1754,7 +1754,7 @@
           <a:p>
             <a:fld id="{654AE61A-BA35-4049-814A-A64EFCA36CDD}" type="datetimeFigureOut">
               <a:rPr lang="zh-TW" altLang="en-US" smtClean="0"/>
-              <a:t>2023/10/31</a:t>
+              <a:t>2024/2/3</a:t>
             </a:fld>
             <a:endParaRPr lang="zh-TW" altLang="en-US"/>
           </a:p>
@@ -1924,7 +1924,7 @@
           <a:p>
             <a:fld id="{654AE61A-BA35-4049-814A-A64EFCA36CDD}" type="datetimeFigureOut">
               <a:rPr lang="zh-TW" altLang="en-US" smtClean="0"/>
-              <a:t>2023/10/31</a:t>
+              <a:t>2024/2/3</a:t>
             </a:fld>
             <a:endParaRPr lang="zh-TW" altLang="en-US"/>
           </a:p>
@@ -2200,7 +2200,7 @@
           <a:p>
             <a:fld id="{654AE61A-BA35-4049-814A-A64EFCA36CDD}" type="datetimeFigureOut">
               <a:rPr lang="zh-TW" altLang="en-US" smtClean="0"/>
-              <a:t>2023/10/31</a:t>
+              <a:t>2024/2/3</a:t>
             </a:fld>
             <a:endParaRPr lang="zh-TW" altLang="en-US"/>
           </a:p>
@@ -3401,7 +3401,7 @@
           <a:p>
             <a:fld id="{654AE61A-BA35-4049-814A-A64EFCA36CDD}" type="datetimeFigureOut">
               <a:rPr lang="zh-TW" altLang="en-US" smtClean="0"/>
-              <a:t>2023/10/31</a:t>
+              <a:t>2024/2/3</a:t>
             </a:fld>
             <a:endParaRPr lang="zh-TW" altLang="en-US"/>
           </a:p>
@@ -3791,7 +3791,7 @@
           <a:p>
             <a:fld id="{654AE61A-BA35-4049-814A-A64EFCA36CDD}" type="datetimeFigureOut">
               <a:rPr lang="zh-TW" altLang="en-US" smtClean="0"/>
-              <a:t>2023/10/31</a:t>
+              <a:t>2024/2/3</a:t>
             </a:fld>
             <a:endParaRPr lang="zh-TW" altLang="en-US"/>
           </a:p>
@@ -3914,7 +3914,7 @@
           <a:p>
             <a:fld id="{654AE61A-BA35-4049-814A-A64EFCA36CDD}" type="datetimeFigureOut">
               <a:rPr lang="zh-TW" altLang="en-US" smtClean="0"/>
-              <a:t>2023/10/31</a:t>
+              <a:t>2024/2/3</a:t>
             </a:fld>
             <a:endParaRPr lang="zh-TW" altLang="en-US"/>
           </a:p>
@@ -4009,7 +4009,7 @@
           <a:p>
             <a:fld id="{654AE61A-BA35-4049-814A-A64EFCA36CDD}" type="datetimeFigureOut">
               <a:rPr lang="zh-TW" altLang="en-US" smtClean="0"/>
-              <a:t>2023/10/31</a:t>
+              <a:t>2024/2/3</a:t>
             </a:fld>
             <a:endParaRPr lang="zh-TW" altLang="en-US"/>
           </a:p>
@@ -4772,7 +4772,7 @@
           <a:p>
             <a:fld id="{654AE61A-BA35-4049-814A-A64EFCA36CDD}" type="datetimeFigureOut">
               <a:rPr lang="zh-TW" altLang="en-US" smtClean="0"/>
-              <a:t>2023/10/31</a:t>
+              <a:t>2024/2/3</a:t>
             </a:fld>
             <a:endParaRPr lang="zh-TW" altLang="en-US"/>
           </a:p>
@@ -5612,7 +5612,7 @@
           <a:p>
             <a:fld id="{654AE61A-BA35-4049-814A-A64EFCA36CDD}" type="datetimeFigureOut">
               <a:rPr lang="zh-TW" altLang="en-US" smtClean="0"/>
-              <a:t>2023/10/31</a:t>
+              <a:t>2024/2/3</a:t>
             </a:fld>
             <a:endParaRPr lang="zh-TW" altLang="en-US"/>
           </a:p>
@@ -5839,7 +5839,7 @@
           <a:p>
             <a:fld id="{654AE61A-BA35-4049-814A-A64EFCA36CDD}" type="datetimeFigureOut">
               <a:rPr lang="zh-TW" altLang="en-US" smtClean="0"/>
-              <a:t>2023/10/31</a:t>
+              <a:t>2024/2/3</a:t>
             </a:fld>
             <a:endParaRPr lang="zh-TW" altLang="en-US"/>
           </a:p>
